--- a/Mapes_MindTheGap_AMS2024.pptx
+++ b/Mapes_MindTheGap_AMS2024.pptx
@@ -10,16 +10,20 @@
     <p:sldId id="259" r:id="rId4"/>
     <p:sldId id="262" r:id="rId5"/>
     <p:sldId id="260" r:id="rId6"/>
-    <p:sldId id="261" r:id="rId7"/>
-    <p:sldId id="263" r:id="rId8"/>
-    <p:sldId id="264" r:id="rId9"/>
-    <p:sldId id="265" r:id="rId10"/>
-    <p:sldId id="266" r:id="rId11"/>
-    <p:sldId id="267" r:id="rId12"/>
-    <p:sldId id="268" r:id="rId13"/>
-    <p:sldId id="270" r:id="rId14"/>
-    <p:sldId id="269" r:id="rId15"/>
-    <p:sldId id="257" r:id="rId16"/>
+    <p:sldId id="271" r:id="rId7"/>
+    <p:sldId id="261" r:id="rId8"/>
+    <p:sldId id="272" r:id="rId9"/>
+    <p:sldId id="263" r:id="rId10"/>
+    <p:sldId id="264" r:id="rId11"/>
+    <p:sldId id="265" r:id="rId12"/>
+    <p:sldId id="266" r:id="rId13"/>
+    <p:sldId id="267" r:id="rId14"/>
+    <p:sldId id="268" r:id="rId15"/>
+    <p:sldId id="273" r:id="rId16"/>
+    <p:sldId id="270" r:id="rId17"/>
+    <p:sldId id="269" r:id="rId18"/>
+    <p:sldId id="274" r:id="rId19"/>
+    <p:sldId id="257" r:id="rId20"/>
   </p:sldIdLst>
   <p:sldSz cx="12192000" cy="6858000"/>
   <p:notesSz cx="6858000" cy="9144000"/>
@@ -462,7 +466,7 @@
             <a:fld id="{5923F103-BC34-4FE4-A40E-EDDEECFDA5D0}" type="datetimeFigureOut">
               <a:rPr lang="en-US" dirty="0"/>
               <a:pPr/>
-              <a:t>1/25/24</a:t>
+              <a:t>1/28/24</a:t>
             </a:fld>
             <a:endParaRPr lang="en-US" dirty="0"/>
           </a:p>
@@ -1546,7 +1550,7 @@
           <a:p>
             <a:fld id="{923A1CC3-2375-41D4-9E03-427CAF2A4C1A}" type="datetimeFigureOut">
               <a:rPr lang="en-US" dirty="0"/>
-              <a:t>1/25/24</a:t>
+              <a:t>1/28/24</a:t>
             </a:fld>
             <a:endParaRPr lang="en-US" dirty="0"/>
           </a:p>
@@ -2522,7 +2526,7 @@
           <a:p>
             <a:fld id="{AFF16868-8199-4C2C-A5B1-63AEE139F88E}" type="datetimeFigureOut">
               <a:rPr lang="en-US" dirty="0"/>
-              <a:t>1/25/24</a:t>
+              <a:t>1/28/24</a:t>
             </a:fld>
             <a:endParaRPr lang="en-US" dirty="0"/>
           </a:p>
@@ -3652,7 +3656,7 @@
           <a:p>
             <a:fld id="{AAD9FF7F-6988-44CC-821B-644E70CD2F73}" type="datetimeFigureOut">
               <a:rPr lang="en-US" dirty="0"/>
-              <a:t>1/25/24</a:t>
+              <a:t>1/28/24</a:t>
             </a:fld>
             <a:endParaRPr lang="en-US" dirty="0"/>
           </a:p>
@@ -4681,7 +4685,7 @@
           <a:p>
             <a:fld id="{5C12C299-16B2-4475-990D-751901EACC14}" type="datetimeFigureOut">
               <a:rPr lang="en-US" dirty="0"/>
-              <a:t>1/25/24</a:t>
+              <a:t>1/28/24</a:t>
             </a:fld>
             <a:endParaRPr lang="en-US" dirty="0"/>
           </a:p>
@@ -5337,7 +5341,7 @@
           <a:p>
             <a:fld id="{9FE86839-B9D8-4651-8783-F325ECE74E65}" type="datetimeFigureOut">
               <a:rPr lang="en-US" dirty="0"/>
-              <a:t>1/25/24</a:t>
+              <a:t>1/28/24</a:t>
             </a:fld>
             <a:endParaRPr lang="en-US" dirty="0"/>
           </a:p>
@@ -6194,7 +6198,7 @@
           <a:p>
             <a:fld id="{FD484F64-32F6-45C5-931F-ADC1662401D0}" type="datetimeFigureOut">
               <a:rPr lang="en-US" dirty="0"/>
-              <a:t>1/25/24</a:t>
+              <a:t>1/28/24</a:t>
             </a:fld>
             <a:endParaRPr lang="en-US" dirty="0"/>
           </a:p>
@@ -6380,7 +6384,7 @@
           <a:p>
             <a:fld id="{53086D93-FCAC-47E0-A2EE-787E62CA814C}" type="datetimeFigureOut">
               <a:rPr lang="en-US" dirty="0"/>
-              <a:t>1/25/24</a:t>
+              <a:t>1/28/24</a:t>
             </a:fld>
             <a:endParaRPr lang="en-US" dirty="0"/>
           </a:p>
@@ -7348,7 +7352,7 @@
           <a:p>
             <a:fld id="{CDA879A6-0FD0-4734-A311-86BFCA472E6E}" type="datetimeFigureOut">
               <a:rPr lang="en-US" dirty="0"/>
-              <a:t>1/25/24</a:t>
+              <a:t>1/28/24</a:t>
             </a:fld>
             <a:endParaRPr lang="en-US" dirty="0"/>
           </a:p>
@@ -7555,7 +7559,7 @@
           <a:p>
             <a:fld id="{19C9CA7B-DFD4-44B5-8C60-D14B8CD1FB59}" type="datetimeFigureOut">
               <a:rPr lang="en-US" dirty="0"/>
-              <a:t>1/25/24</a:t>
+              <a:t>1/28/24</a:t>
             </a:fld>
             <a:endParaRPr lang="en-US" dirty="0"/>
           </a:p>
@@ -8585,7 +8589,7 @@
           <a:p>
             <a:fld id="{F34E6425-0181-43F2-84FC-787E803FD2F8}" type="datetimeFigureOut">
               <a:rPr lang="en-US" dirty="0"/>
-              <a:t>1/25/24</a:t>
+              <a:t>1/28/24</a:t>
             </a:fld>
             <a:endParaRPr lang="en-US" dirty="0"/>
           </a:p>
@@ -8853,7 +8857,7 @@
           <a:p>
             <a:fld id="{3BDB8791-F1B0-41E7-B7FD-A781E65C4266}" type="datetimeFigureOut">
               <a:rPr lang="en-US" dirty="0"/>
-              <a:t>1/25/24</a:t>
+              <a:t>1/28/24</a:t>
             </a:fld>
             <a:endParaRPr lang="en-US" dirty="0"/>
           </a:p>
@@ -9259,7 +9263,7 @@
           <a:p>
             <a:fld id="{5FDD63B2-E120-4ED8-B27B-C685F510A5FE}" type="datetimeFigureOut">
               <a:rPr lang="en-US" dirty="0"/>
-              <a:t>1/25/24</a:t>
+              <a:t>1/28/24</a:t>
             </a:fld>
             <a:endParaRPr lang="en-US" dirty="0"/>
           </a:p>
@@ -9382,7 +9386,7 @@
           <a:p>
             <a:fld id="{7AA18ACC-A947-437B-A130-35BD54FDF1E9}" type="datetimeFigureOut">
               <a:rPr lang="en-US" dirty="0"/>
-              <a:t>1/25/24</a:t>
+              <a:t>1/28/24</a:t>
             </a:fld>
             <a:endParaRPr lang="en-US" dirty="0"/>
           </a:p>
@@ -9473,7 +9477,7 @@
           <a:p>
             <a:fld id="{7C8D7E02-BCB8-4D50-A234-369438C08659}" type="datetimeFigureOut">
               <a:rPr lang="en-US" dirty="0"/>
-              <a:t>1/25/24</a:t>
+              <a:t>1/28/24</a:t>
             </a:fld>
             <a:endParaRPr lang="en-US" dirty="0"/>
           </a:p>
@@ -10550,7 +10554,7 @@
           <a:p>
             <a:fld id="{76E86A4C-8E40-4F87-A4F0-01A0687C5742}" type="datetimeFigureOut">
               <a:rPr lang="en-US" dirty="0"/>
-              <a:t>1/25/24</a:t>
+              <a:t>1/28/24</a:t>
             </a:fld>
             <a:endParaRPr lang="en-US" dirty="0"/>
           </a:p>
@@ -11654,7 +11658,7 @@
           <a:p>
             <a:fld id="{35E72C73-2D91-4E12-BA25-F0AA0C03599B}" type="datetimeFigureOut">
               <a:rPr lang="en-US" dirty="0"/>
-              <a:t>1/25/24</a:t>
+              <a:t>1/28/24</a:t>
             </a:fld>
             <a:endParaRPr lang="en-US" dirty="0"/>
           </a:p>
@@ -12647,7 +12651,7 @@
           <a:p>
             <a:fld id="{2BE451C3-0FF4-47C4-B829-773ADF60F88C}" type="datetimeFigureOut">
               <a:rPr lang="en-US" dirty="0"/>
-              <a:t>1/25/24</a:t>
+              <a:t>1/28/24</a:t>
             </a:fld>
             <a:endParaRPr lang="en-US" dirty="0"/>
           </a:p>
@@ -13241,7 +13245,7 @@
             </a:br>
             <a:r>
               <a:rPr lang="en-US" sz="3600" dirty="0"/>
-              <a:t>(spoonful of sugar for data analysis skills)</a:t>
+              <a:t>(a spoonful of sugar for data analysis skills)</a:t>
             </a:r>
             <a:endParaRPr lang="en-US" sz="4400" dirty="0"/>
           </a:p>
@@ -13263,9 +13267,16 @@
             <p:ph type="subTitle" idx="1"/>
           </p:nvPr>
         </p:nvSpPr>
-        <p:spPr/>
+        <p:spPr>
+          <a:xfrm>
+            <a:off x="1154955" y="4777379"/>
+            <a:ext cx="8825658" cy="1541533"/>
+          </a:xfrm>
+        </p:spPr>
         <p:txBody>
-          <a:bodyPr/>
+          <a:bodyPr>
+            <a:normAutofit/>
+          </a:bodyPr>
           <a:lstStyle/>
           <a:p>
             <a:r>
@@ -13280,7 +13291,13 @@
             </a:r>
             <a:r>
               <a:rPr lang="en-US" dirty="0"/>
-              <a:t> school of marine and atmospheric science, U of Miami</a:t>
+              <a:t> school of marine atmospheric &amp; earth science</a:t>
+            </a:r>
+          </a:p>
+          <a:p>
+            <a:r>
+              <a:rPr lang="en-US" dirty="0"/>
+              <a:t>University of Miami</a:t>
             </a:r>
           </a:p>
         </p:txBody>
@@ -13348,7 +13365,7 @@
           <p:cNvPr id="4" name="Content Placeholder 3">
             <a:extLst>
               <a:ext uri="{FF2B5EF4-FFF2-40B4-BE49-F238E27FC236}">
-                <a16:creationId xmlns:a16="http://schemas.microsoft.com/office/drawing/2014/main" id="{A53A5C89-4074-2F52-E2FD-9BC4A4E1EDC0}"/>
+                <a16:creationId xmlns:a16="http://schemas.microsoft.com/office/drawing/2014/main" id="{EEE1450B-2B79-6BD1-6EC1-557FC8BDCF27}"/>
               </a:ext>
             </a:extLst>
           </p:cNvPr>
@@ -13367,8 +13384,8 @@
         </p:blipFill>
         <p:spPr>
           <a:xfrm>
-            <a:off x="2002316" y="1974850"/>
-            <a:ext cx="7992106" cy="4554538"/>
+            <a:off x="614756" y="586854"/>
+            <a:ext cx="10422290" cy="6271146"/>
           </a:xfrm>
           <a:prstGeom prst="rect">
             <a:avLst/>
@@ -13378,7 +13395,7 @@
     </p:spTree>
     <p:extLst>
       <p:ext uri="{BB962C8B-B14F-4D97-AF65-F5344CB8AC3E}">
-        <p14:creationId xmlns:p14="http://schemas.microsoft.com/office/powerpoint/2010/main" val="3682740787"/>
+        <p14:creationId xmlns:p14="http://schemas.microsoft.com/office/powerpoint/2010/main" val="416037045"/>
       </p:ext>
     </p:extLst>
   </p:cSld>
@@ -13435,19 +13452,17 @@
       </p:sp>
       <p:pic>
         <p:nvPicPr>
-          <p:cNvPr id="4" name="Content Placeholder 3">
+          <p:cNvPr id="7" name="Picture 6">
             <a:extLst>
               <a:ext uri="{FF2B5EF4-FFF2-40B4-BE49-F238E27FC236}">
-                <a16:creationId xmlns:a16="http://schemas.microsoft.com/office/drawing/2014/main" id="{17D6FB0F-655D-62B2-E531-9F8EB7267795}"/>
+                <a16:creationId xmlns:a16="http://schemas.microsoft.com/office/drawing/2014/main" id="{69AA4C9E-07BB-2AEB-7476-D2089AA31302}"/>
               </a:ext>
             </a:extLst>
           </p:cNvPr>
           <p:cNvPicPr>
-            <a:picLocks noGrp="1" noChangeAspect="1"/>
+            <a:picLocks noChangeAspect="1"/>
           </p:cNvPicPr>
-          <p:nvPr>
-            <p:ph idx="1"/>
-          </p:nvPr>
+          <p:nvPr/>
         </p:nvPicPr>
         <p:blipFill>
           <a:blip r:embed="rId2"/>
@@ -13457,8 +13472,8 @@
         </p:blipFill>
         <p:spPr>
           <a:xfrm>
-            <a:off x="2579915" y="1635695"/>
-            <a:ext cx="6692767" cy="5222305"/>
+            <a:off x="585717" y="629755"/>
+            <a:ext cx="9811148" cy="5893876"/>
           </a:xfrm>
           <a:prstGeom prst="rect">
             <a:avLst/>
@@ -13468,7 +13483,7 @@
     </p:spTree>
     <p:extLst>
       <p:ext uri="{BB962C8B-B14F-4D97-AF65-F5344CB8AC3E}">
-        <p14:creationId xmlns:p14="http://schemas.microsoft.com/office/powerpoint/2010/main" val="106287504"/>
+        <p14:creationId xmlns:p14="http://schemas.microsoft.com/office/powerpoint/2010/main" val="3981306827"/>
       </p:ext>
     </p:extLst>
   </p:cSld>
@@ -13523,6 +13538,414 @@
           </a:p>
         </p:txBody>
       </p:sp>
+      <p:sp>
+        <p:nvSpPr>
+          <p:cNvPr id="5" name="Content Placeholder 4">
+            <a:extLst>
+              <a:ext uri="{FF2B5EF4-FFF2-40B4-BE49-F238E27FC236}">
+                <a16:creationId xmlns:a16="http://schemas.microsoft.com/office/drawing/2014/main" id="{20A9FA4F-ED1A-837A-F1E5-EC2AB5635C7C}"/>
+              </a:ext>
+            </a:extLst>
+          </p:cNvPr>
+          <p:cNvSpPr>
+            <a:spLocks noGrp="1"/>
+          </p:cNvSpPr>
+          <p:nvPr>
+            <p:ph idx="1"/>
+          </p:nvPr>
+        </p:nvSpPr>
+        <p:spPr/>
+        <p:txBody>
+          <a:bodyPr/>
+          <a:lstStyle/>
+          <a:p>
+            <a:endParaRPr lang="en-US"/>
+          </a:p>
+        </p:txBody>
+      </p:sp>
+      <p:pic>
+        <p:nvPicPr>
+          <p:cNvPr id="7" name="Picture 6">
+            <a:extLst>
+              <a:ext uri="{FF2B5EF4-FFF2-40B4-BE49-F238E27FC236}">
+                <a16:creationId xmlns:a16="http://schemas.microsoft.com/office/drawing/2014/main" id="{1517BBA7-2E5F-9D51-99E3-D596C0D737D4}"/>
+              </a:ext>
+            </a:extLst>
+          </p:cNvPr>
+          <p:cNvPicPr>
+            <a:picLocks noChangeAspect="1"/>
+          </p:cNvPicPr>
+          <p:nvPr/>
+        </p:nvPicPr>
+        <p:blipFill>
+          <a:blip r:embed="rId2"/>
+          <a:stretch>
+            <a:fillRect/>
+          </a:stretch>
+        </p:blipFill>
+        <p:spPr>
+          <a:xfrm>
+            <a:off x="447303" y="987316"/>
+            <a:ext cx="11297393" cy="5445505"/>
+          </a:xfrm>
+          <a:prstGeom prst="rect">
+            <a:avLst/>
+          </a:prstGeom>
+        </p:spPr>
+      </p:pic>
+    </p:spTree>
+    <p:extLst>
+      <p:ext uri="{BB962C8B-B14F-4D97-AF65-F5344CB8AC3E}">
+        <p14:creationId xmlns:p14="http://schemas.microsoft.com/office/powerpoint/2010/main" val="3682740787"/>
+      </p:ext>
+    </p:extLst>
+  </p:cSld>
+  <p:clrMapOvr>
+    <a:masterClrMapping/>
+  </p:clrMapOvr>
+</p:sld>
+</file>
+
+<file path=ppt/slides/slide13.xml><?xml version="1.0" encoding="utf-8"?>
+<p:sld xmlns:a="http://schemas.openxmlformats.org/drawingml/2006/main" xmlns:r="http://schemas.openxmlformats.org/officeDocument/2006/relationships" xmlns:p="http://schemas.openxmlformats.org/presentationml/2006/main">
+  <p:cSld>
+    <p:spTree>
+      <p:nvGrpSpPr>
+        <p:cNvPr id="1" name=""/>
+        <p:cNvGrpSpPr/>
+        <p:nvPr/>
+      </p:nvGrpSpPr>
+      <p:grpSpPr>
+        <a:xfrm>
+          <a:off x="0" y="0"/>
+          <a:ext cx="0" cy="0"/>
+          <a:chOff x="0" y="0"/>
+          <a:chExt cx="0" cy="0"/>
+        </a:xfrm>
+      </p:grpSpPr>
+      <p:pic>
+        <p:nvPicPr>
+          <p:cNvPr id="10" name="Picture 9">
+            <a:extLst>
+              <a:ext uri="{FF2B5EF4-FFF2-40B4-BE49-F238E27FC236}">
+                <a16:creationId xmlns:a16="http://schemas.microsoft.com/office/drawing/2014/main" id="{C6E29342-12DB-DED3-97E9-C5A684D46F03}"/>
+              </a:ext>
+            </a:extLst>
+          </p:cNvPr>
+          <p:cNvPicPr>
+            <a:picLocks noChangeAspect="1"/>
+          </p:cNvPicPr>
+          <p:nvPr/>
+        </p:nvPicPr>
+        <p:blipFill>
+          <a:blip r:embed="rId2"/>
+          <a:stretch>
+            <a:fillRect/>
+          </a:stretch>
+        </p:blipFill>
+        <p:spPr>
+          <a:xfrm>
+            <a:off x="2571247" y="-4578"/>
+            <a:ext cx="8064996" cy="6862578"/>
+          </a:xfrm>
+          <a:prstGeom prst="rect">
+            <a:avLst/>
+          </a:prstGeom>
+        </p:spPr>
+      </p:pic>
+      <p:sp>
+        <p:nvSpPr>
+          <p:cNvPr id="3" name="TextBox 2">
+            <a:extLst>
+              <a:ext uri="{FF2B5EF4-FFF2-40B4-BE49-F238E27FC236}">
+                <a16:creationId xmlns:a16="http://schemas.microsoft.com/office/drawing/2014/main" id="{0AF44E90-1AA7-5D0D-9F9F-00E611C46B88}"/>
+              </a:ext>
+            </a:extLst>
+          </p:cNvPr>
+          <p:cNvSpPr txBox="1"/>
+          <p:nvPr/>
+        </p:nvSpPr>
+        <p:spPr>
+          <a:xfrm rot="19724638">
+            <a:off x="-166778" y="2410577"/>
+            <a:ext cx="4175147" cy="1323439"/>
+          </a:xfrm>
+          <a:prstGeom prst="rect">
+            <a:avLst/>
+          </a:prstGeom>
+          <a:noFill/>
+        </p:spPr>
+        <p:txBody>
+          <a:bodyPr wrap="square" rtlCol="0">
+            <a:spAutoFit/>
+          </a:bodyPr>
+          <a:lstStyle/>
+          <a:p>
+            <a:pPr algn="ctr"/>
+            <a:r>
+              <a:rPr lang="en-US" sz="4000"/>
+              <a:t>Use insurance to clip losses </a:t>
+            </a:r>
+          </a:p>
+        </p:txBody>
+      </p:sp>
+      <p:sp>
+        <p:nvSpPr>
+          <p:cNvPr id="5" name="TextBox 4">
+            <a:extLst>
+              <a:ext uri="{FF2B5EF4-FFF2-40B4-BE49-F238E27FC236}">
+                <a16:creationId xmlns:a16="http://schemas.microsoft.com/office/drawing/2014/main" id="{155E25CE-5434-B051-661A-C1979E150E18}"/>
+              </a:ext>
+            </a:extLst>
+          </p:cNvPr>
+          <p:cNvSpPr txBox="1"/>
+          <p:nvPr/>
+        </p:nvSpPr>
+        <p:spPr>
+          <a:xfrm rot="696005">
+            <a:off x="53338" y="4997377"/>
+            <a:ext cx="3560689" cy="1323439"/>
+          </a:xfrm>
+          <a:prstGeom prst="rect">
+            <a:avLst/>
+          </a:prstGeom>
+          <a:noFill/>
+        </p:spPr>
+        <p:txBody>
+          <a:bodyPr wrap="square" rtlCol="0">
+            <a:spAutoFit/>
+          </a:bodyPr>
+          <a:lstStyle/>
+          <a:p>
+            <a:pPr algn="ctr"/>
+            <a:r>
+              <a:rPr lang="en-US" sz="4000"/>
+              <a:t>But at a cost…</a:t>
+            </a:r>
+          </a:p>
+        </p:txBody>
+      </p:sp>
+    </p:spTree>
+    <p:extLst>
+      <p:ext uri="{BB962C8B-B14F-4D97-AF65-F5344CB8AC3E}">
+        <p14:creationId xmlns:p14="http://schemas.microsoft.com/office/powerpoint/2010/main" val="106287504"/>
+      </p:ext>
+    </p:extLst>
+  </p:cSld>
+  <p:clrMapOvr>
+    <a:masterClrMapping/>
+  </p:clrMapOvr>
+  <p:timing>
+    <p:tnLst>
+      <p:par>
+        <p:cTn id="1" dur="indefinite" restart="never" nodeType="tmRoot">
+          <p:childTnLst>
+            <p:seq concurrent="1" nextAc="seek">
+              <p:cTn id="2" dur="indefinite" nodeType="mainSeq">
+                <p:childTnLst>
+                  <p:par>
+                    <p:cTn id="3" fill="hold">
+                      <p:stCondLst>
+                        <p:cond delay="indefinite"/>
+                      </p:stCondLst>
+                      <p:childTnLst>
+                        <p:par>
+                          <p:cTn id="4" fill="hold">
+                            <p:stCondLst>
+                              <p:cond delay="0"/>
+                            </p:stCondLst>
+                            <p:childTnLst>
+                              <p:par>
+                                <p:cTn id="5" presetID="12" presetClass="entr" presetSubtype="4" fill="hold" grpId="0" nodeType="clickEffect">
+                                  <p:stCondLst>
+                                    <p:cond delay="0"/>
+                                  </p:stCondLst>
+                                  <p:childTnLst>
+                                    <p:set>
+                                      <p:cBhvr>
+                                        <p:cTn id="6" dur="1" fill="hold">
+                                          <p:stCondLst>
+                                            <p:cond delay="0"/>
+                                          </p:stCondLst>
+                                        </p:cTn>
+                                        <p:tgtEl>
+                                          <p:spTgt spid="3"/>
+                                        </p:tgtEl>
+                                        <p:attrNameLst>
+                                          <p:attrName>style.visibility</p:attrName>
+                                        </p:attrNameLst>
+                                      </p:cBhvr>
+                                      <p:to>
+                                        <p:strVal val="visible"/>
+                                      </p:to>
+                                    </p:set>
+                                    <p:anim calcmode="lin" valueType="num">
+                                      <p:cBhvr additive="base">
+                                        <p:cTn id="7" dur="500"/>
+                                        <p:tgtEl>
+                                          <p:spTgt spid="3"/>
+                                        </p:tgtEl>
+                                        <p:attrNameLst>
+                                          <p:attrName>ppt_y</p:attrName>
+                                        </p:attrNameLst>
+                                      </p:cBhvr>
+                                      <p:tavLst>
+                                        <p:tav tm="0">
+                                          <p:val>
+                                            <p:strVal val="#ppt_y+#ppt_h*1.125000"/>
+                                          </p:val>
+                                        </p:tav>
+                                        <p:tav tm="100000">
+                                          <p:val>
+                                            <p:strVal val="#ppt_y"/>
+                                          </p:val>
+                                        </p:tav>
+                                      </p:tavLst>
+                                    </p:anim>
+                                    <p:animEffect transition="in" filter="wipe(up)">
+                                      <p:cBhvr>
+                                        <p:cTn id="8" dur="500"/>
+                                        <p:tgtEl>
+                                          <p:spTgt spid="3"/>
+                                        </p:tgtEl>
+                                      </p:cBhvr>
+                                    </p:animEffect>
+                                  </p:childTnLst>
+                                </p:cTn>
+                              </p:par>
+                            </p:childTnLst>
+                          </p:cTn>
+                        </p:par>
+                      </p:childTnLst>
+                    </p:cTn>
+                  </p:par>
+                  <p:par>
+                    <p:cTn id="9" fill="hold">
+                      <p:stCondLst>
+                        <p:cond delay="indefinite"/>
+                      </p:stCondLst>
+                      <p:childTnLst>
+                        <p:par>
+                          <p:cTn id="10" fill="hold">
+                            <p:stCondLst>
+                              <p:cond delay="0"/>
+                            </p:stCondLst>
+                            <p:childTnLst>
+                              <p:par>
+                                <p:cTn id="11" presetID="9" presetClass="entr" presetSubtype="0" fill="hold" grpId="0" nodeType="clickEffect">
+                                  <p:stCondLst>
+                                    <p:cond delay="0"/>
+                                  </p:stCondLst>
+                                  <p:childTnLst>
+                                    <p:set>
+                                      <p:cBhvr>
+                                        <p:cTn id="12" dur="1" fill="hold">
+                                          <p:stCondLst>
+                                            <p:cond delay="0"/>
+                                          </p:stCondLst>
+                                        </p:cTn>
+                                        <p:tgtEl>
+                                          <p:spTgt spid="5"/>
+                                        </p:tgtEl>
+                                        <p:attrNameLst>
+                                          <p:attrName>style.visibility</p:attrName>
+                                        </p:attrNameLst>
+                                      </p:cBhvr>
+                                      <p:to>
+                                        <p:strVal val="visible"/>
+                                      </p:to>
+                                    </p:set>
+                                    <p:animEffect transition="in" filter="dissolve">
+                                      <p:cBhvr>
+                                        <p:cTn id="13" dur="500"/>
+                                        <p:tgtEl>
+                                          <p:spTgt spid="5"/>
+                                        </p:tgtEl>
+                                      </p:cBhvr>
+                                    </p:animEffect>
+                                  </p:childTnLst>
+                                </p:cTn>
+                              </p:par>
+                            </p:childTnLst>
+                          </p:cTn>
+                        </p:par>
+                      </p:childTnLst>
+                    </p:cTn>
+                  </p:par>
+                </p:childTnLst>
+              </p:cTn>
+              <p:prevCondLst>
+                <p:cond evt="onPrev" delay="0">
+                  <p:tgtEl>
+                    <p:sldTgt/>
+                  </p:tgtEl>
+                </p:cond>
+              </p:prevCondLst>
+              <p:nextCondLst>
+                <p:cond evt="onNext" delay="0">
+                  <p:tgtEl>
+                    <p:sldTgt/>
+                  </p:tgtEl>
+                </p:cond>
+              </p:nextCondLst>
+            </p:seq>
+          </p:childTnLst>
+        </p:cTn>
+      </p:par>
+    </p:tnLst>
+    <p:bldLst>
+      <p:bldP spid="3" grpId="0"/>
+      <p:bldP spid="5" grpId="0"/>
+    </p:bldLst>
+  </p:timing>
+</p:sld>
+</file>
+
+<file path=ppt/slides/slide14.xml><?xml version="1.0" encoding="utf-8"?>
+<p:sld xmlns:a="http://schemas.openxmlformats.org/drawingml/2006/main" xmlns:r="http://schemas.openxmlformats.org/officeDocument/2006/relationships" xmlns:p="http://schemas.openxmlformats.org/presentationml/2006/main">
+  <p:cSld>
+    <p:spTree>
+      <p:nvGrpSpPr>
+        <p:cNvPr id="1" name=""/>
+        <p:cNvGrpSpPr/>
+        <p:nvPr/>
+      </p:nvGrpSpPr>
+      <p:grpSpPr>
+        <a:xfrm>
+          <a:off x="0" y="0"/>
+          <a:ext cx="0" cy="0"/>
+          <a:chOff x="0" y="0"/>
+          <a:chExt cx="0" cy="0"/>
+        </a:xfrm>
+      </p:grpSpPr>
+      <p:sp>
+        <p:nvSpPr>
+          <p:cNvPr id="2" name="Title 1">
+            <a:extLst>
+              <a:ext uri="{FF2B5EF4-FFF2-40B4-BE49-F238E27FC236}">
+                <a16:creationId xmlns:a16="http://schemas.microsoft.com/office/drawing/2014/main" id="{C9B04E49-3125-4E7A-FF32-AE8E75CC1F29}"/>
+              </a:ext>
+            </a:extLst>
+          </p:cNvPr>
+          <p:cNvSpPr>
+            <a:spLocks noGrp="1"/>
+          </p:cNvSpPr>
+          <p:nvPr>
+            <p:ph type="title"/>
+          </p:nvPr>
+        </p:nvSpPr>
+        <p:spPr/>
+        <p:txBody>
+          <a:bodyPr/>
+          <a:lstStyle/>
+          <a:p>
+            <a:r>
+              <a:rPr lang="en-US"/>
+              <a:t>Details: it’s all about the code base…</a:t>
+            </a:r>
+          </a:p>
+        </p:txBody>
+      </p:sp>
       <p:pic>
         <p:nvPicPr>
           <p:cNvPr id="4" name="Content Placeholder 3">
@@ -13539,16 +13962,15 @@
             <p:ph idx="1"/>
           </p:nvPr>
         </p:nvPicPr>
-        <p:blipFill>
+        <p:blipFill rotWithShape="1">
           <a:blip r:embed="rId2"/>
-          <a:stretch>
-            <a:fillRect/>
-          </a:stretch>
+          <a:srcRect l="3646"/>
+          <a:stretch/>
         </p:blipFill>
         <p:spPr>
           <a:xfrm>
-            <a:off x="1103522" y="1680632"/>
-            <a:ext cx="9855165" cy="5177368"/>
+            <a:off x="136478" y="170597"/>
+            <a:ext cx="11952460" cy="6516806"/>
           </a:xfrm>
           <a:prstGeom prst="rect">
             <a:avLst/>
@@ -13568,7 +13990,128 @@
 </p:sld>
 </file>
 
-<file path=ppt/slides/slide13.xml><?xml version="1.0" encoding="utf-8"?>
+<file path=ppt/slides/slide15.xml><?xml version="1.0" encoding="utf-8"?>
+<p:sld xmlns:a="http://schemas.openxmlformats.org/drawingml/2006/main" xmlns:r="http://schemas.openxmlformats.org/officeDocument/2006/relationships" xmlns:p="http://schemas.openxmlformats.org/presentationml/2006/main">
+  <p:cSld>
+    <p:spTree>
+      <p:nvGrpSpPr>
+        <p:cNvPr id="1" name=""/>
+        <p:cNvGrpSpPr/>
+        <p:nvPr/>
+      </p:nvGrpSpPr>
+      <p:grpSpPr>
+        <a:xfrm>
+          <a:off x="0" y="0"/>
+          <a:ext cx="0" cy="0"/>
+          <a:chOff x="0" y="0"/>
+          <a:chExt cx="0" cy="0"/>
+        </a:xfrm>
+      </p:grpSpPr>
+      <p:sp>
+        <p:nvSpPr>
+          <p:cNvPr id="2" name="Title 1">
+            <a:extLst>
+              <a:ext uri="{FF2B5EF4-FFF2-40B4-BE49-F238E27FC236}">
+                <a16:creationId xmlns:a16="http://schemas.microsoft.com/office/drawing/2014/main" id="{33D5C9B3-4559-B0FF-7246-BEDBA3546E90}"/>
+              </a:ext>
+            </a:extLst>
+          </p:cNvPr>
+          <p:cNvSpPr>
+            <a:spLocks noGrp="1"/>
+          </p:cNvSpPr>
+          <p:nvPr>
+            <p:ph type="title"/>
+          </p:nvPr>
+        </p:nvSpPr>
+        <p:spPr>
+          <a:xfrm>
+            <a:off x="1154954" y="973668"/>
+            <a:ext cx="10186336" cy="706964"/>
+          </a:xfrm>
+        </p:spPr>
+        <p:txBody>
+          <a:bodyPr/>
+          <a:lstStyle/>
+          <a:p>
+            <a:r>
+              <a:rPr lang="en-US"/>
+              <a:t>Fun with shuffled teams… takes a big class… hey, why not interschool rivalries</a:t>
+            </a:r>
+          </a:p>
+        </p:txBody>
+      </p:sp>
+      <p:sp>
+        <p:nvSpPr>
+          <p:cNvPr id="3" name="Content Placeholder 2">
+            <a:extLst>
+              <a:ext uri="{FF2B5EF4-FFF2-40B4-BE49-F238E27FC236}">
+                <a16:creationId xmlns:a16="http://schemas.microsoft.com/office/drawing/2014/main" id="{5F59AC29-9BF9-6D33-0019-9CAE26C6368B}"/>
+              </a:ext>
+            </a:extLst>
+          </p:cNvPr>
+          <p:cNvSpPr>
+            <a:spLocks noGrp="1"/>
+          </p:cNvSpPr>
+          <p:nvPr>
+            <p:ph idx="1"/>
+          </p:nvPr>
+        </p:nvSpPr>
+        <p:spPr>
+          <a:xfrm>
+            <a:off x="1154954" y="2603500"/>
+            <a:ext cx="9654073" cy="3416300"/>
+          </a:xfrm>
+        </p:spPr>
+        <p:txBody>
+          <a:bodyPr>
+            <a:normAutofit lnSpcReduction="10000"/>
+          </a:bodyPr>
+          <a:lstStyle/>
+          <a:p>
+            <a:r>
+              <a:rPr lang="en-US" sz="2800"/>
+              <a:t>Like a forecast contest but with a payoff/score in $, based on an application, other than disasters</a:t>
+            </a:r>
+          </a:p>
+          <a:p>
+            <a:endParaRPr lang="en-US" sz="2800"/>
+          </a:p>
+          <a:p>
+            <a:r>
+              <a:rPr lang="en-US" sz="2800"/>
+              <a:t>A plug-and-play ‘franchise’ course for busy faculty, with automated/standardized evals</a:t>
+            </a:r>
+          </a:p>
+          <a:p>
+            <a:pPr lvl="1"/>
+            <a:r>
+              <a:rPr lang="en-US" sz="2400"/>
+              <a:t>Suitable for comparative pedagogy research?</a:t>
+            </a:r>
+          </a:p>
+          <a:p>
+            <a:pPr lvl="2"/>
+            <a:r>
+              <a:rPr lang="en-US" sz="2400"/>
+              <a:t>curriculum gatekeepers love that…</a:t>
+            </a:r>
+          </a:p>
+        </p:txBody>
+      </p:sp>
+    </p:spTree>
+    <p:extLst>
+      <p:ext uri="{BB962C8B-B14F-4D97-AF65-F5344CB8AC3E}">
+        <p14:creationId xmlns:p14="http://schemas.microsoft.com/office/powerpoint/2010/main" val="202132792"/>
+      </p:ext>
+    </p:extLst>
+  </p:cSld>
+  <p:clrMapOvr>
+    <a:masterClrMapping/>
+  </p:clrMapOvr>
+</p:sld>
+</file>
+
+<file path=ppt/slides/slide16.xml><?xml version="1.0" encoding="utf-8"?>
 <p:sld xmlns:a="http://schemas.openxmlformats.org/drawingml/2006/main" xmlns:r="http://schemas.openxmlformats.org/officeDocument/2006/relationships" xmlns:p="http://schemas.openxmlformats.org/presentationml/2006/main">
   <p:cSld>
     <p:spTree>
@@ -13647,7 +14190,7 @@
           <a:p>
             <a:r>
               <a:rPr lang="en-US" sz="3200"/>
-              <a:t>Hired sales and copyright law teams </a:t>
+              <a:t>Hired sales &amp; copyright defense teams </a:t>
             </a:r>
           </a:p>
           <a:p>
@@ -13656,7 +14199,7 @@
           <a:p>
             <a:r>
               <a:rPr lang="en-US" sz="3200"/>
-              <a:t>Franchise licenses available</a:t>
+              <a:t>Franchise licenses available, ask after </a:t>
             </a:r>
           </a:p>
         </p:txBody>
@@ -13674,7 +14217,7 @@
 </p:sld>
 </file>
 
-<file path=ppt/slides/slide14.xml><?xml version="1.0" encoding="utf-8"?>
+<file path=ppt/slides/slide17.xml><?xml version="1.0" encoding="utf-8"?>
 <p:sld xmlns:a="http://schemas.openxmlformats.org/drawingml/2006/main" xmlns:r="http://schemas.openxmlformats.org/officeDocument/2006/relationships" xmlns:p="http://schemas.openxmlformats.org/presentationml/2006/main">
   <p:cSld>
     <p:spTree>
@@ -13709,8 +14252,8 @@
         </p:nvSpPr>
         <p:spPr>
           <a:xfrm>
-            <a:off x="1154954" y="882228"/>
-            <a:ext cx="9055550" cy="706964"/>
+            <a:off x="1154953" y="882228"/>
+            <a:ext cx="10077153" cy="706964"/>
           </a:xfrm>
         </p:spPr>
         <p:txBody>
@@ -13718,8 +14261,8 @@
           <a:lstStyle/>
           <a:p>
             <a:r>
-              <a:rPr lang="en-US" sz="3200"/>
-              <a:t>Just kidding! Total impostor… it’s all free </a:t>
+              <a:rPr lang="en-US"/>
+              <a:t>Just kidding!    Total impostor… it’s all free… </a:t>
             </a:r>
           </a:p>
         </p:txBody>
@@ -13812,7 +14355,169 @@
 </p:sld>
 </file>
 
-<file path=ppt/slides/slide15.xml><?xml version="1.0" encoding="utf-8"?>
+<file path=ppt/slides/slide18.xml><?xml version="1.0" encoding="utf-8"?>
+<p:sld xmlns:a="http://schemas.openxmlformats.org/drawingml/2006/main" xmlns:r="http://schemas.openxmlformats.org/officeDocument/2006/relationships" xmlns:p="http://schemas.openxmlformats.org/presentationml/2006/main">
+  <p:cSld>
+    <p:spTree>
+      <p:nvGrpSpPr>
+        <p:cNvPr id="1" name=""/>
+        <p:cNvGrpSpPr/>
+        <p:nvPr/>
+      </p:nvGrpSpPr>
+      <p:grpSpPr>
+        <a:xfrm>
+          <a:off x="0" y="0"/>
+          <a:ext cx="0" cy="0"/>
+          <a:chOff x="0" y="0"/>
+          <a:chExt cx="0" cy="0"/>
+        </a:xfrm>
+      </p:grpSpPr>
+      <p:sp>
+        <p:nvSpPr>
+          <p:cNvPr id="2" name="Title 1">
+            <a:extLst>
+              <a:ext uri="{FF2B5EF4-FFF2-40B4-BE49-F238E27FC236}">
+                <a16:creationId xmlns:a16="http://schemas.microsoft.com/office/drawing/2014/main" id="{91E60413-D674-BEE7-0DE2-37C0BD1F954E}"/>
+              </a:ext>
+            </a:extLst>
+          </p:cNvPr>
+          <p:cNvSpPr>
+            <a:spLocks noGrp="1"/>
+          </p:cNvSpPr>
+          <p:nvPr>
+            <p:ph type="title"/>
+          </p:nvPr>
+        </p:nvSpPr>
+        <p:spPr/>
+        <p:txBody>
+          <a:bodyPr/>
+          <a:lstStyle/>
+          <a:p>
+            <a:r>
+              <a:rPr lang="en-US" sz="4400"/>
+              <a:t>Summary</a:t>
+            </a:r>
+          </a:p>
+        </p:txBody>
+      </p:sp>
+      <p:sp>
+        <p:nvSpPr>
+          <p:cNvPr id="3" name="Content Placeholder 2">
+            <a:extLst>
+              <a:ext uri="{FF2B5EF4-FFF2-40B4-BE49-F238E27FC236}">
+                <a16:creationId xmlns:a16="http://schemas.microsoft.com/office/drawing/2014/main" id="{BD60D4EE-DB39-518D-3446-D0BABD069B51}"/>
+              </a:ext>
+            </a:extLst>
+          </p:cNvPr>
+          <p:cNvSpPr>
+            <a:spLocks noGrp="1"/>
+          </p:cNvSpPr>
+          <p:nvPr>
+            <p:ph idx="1"/>
+          </p:nvPr>
+        </p:nvSpPr>
+        <p:spPr>
+          <a:xfrm>
+            <a:off x="928048" y="2197289"/>
+            <a:ext cx="10413242" cy="4660711"/>
+          </a:xfrm>
+        </p:spPr>
+        <p:txBody>
+          <a:bodyPr>
+            <a:normAutofit fontScale="92500" lnSpcReduction="10000"/>
+          </a:bodyPr>
+          <a:lstStyle/>
+          <a:p>
+            <a:r>
+              <a:rPr lang="en-US" sz="3200"/>
+              <a:t>A lazy impostor daydreamed a course with motivations &amp; evaluation basically automatic </a:t>
+            </a:r>
+          </a:p>
+          <a:p>
+            <a:pPr lvl="2"/>
+            <a:r>
+              <a:rPr lang="en-US" sz="2800"/>
+              <a:t>after prep. of datasets &amp; rules &amp; codes (FUN)</a:t>
+            </a:r>
+            <a:endParaRPr lang="en-US" sz="3000"/>
+          </a:p>
+          <a:p>
+            <a:r>
+              <a:rPr lang="en-US" sz="3200"/>
+              <a:t>got as far as a skeleton of code notebooks… </a:t>
+            </a:r>
+          </a:p>
+          <a:p>
+            <a:pPr lvl="2"/>
+            <a:r>
+              <a:rPr lang="en-US" sz="3000">
+                <a:solidFill>
+                  <a:srgbClr val="00B050"/>
+                </a:solidFill>
+              </a:rPr>
+              <a:t>https://github.com/ATMOcanes/</a:t>
+            </a:r>
+            <a:br>
+              <a:rPr lang="en-US" sz="3000">
+                <a:solidFill>
+                  <a:srgbClr val="00B050"/>
+                </a:solidFill>
+              </a:rPr>
+            </a:br>
+            <a:r>
+              <a:rPr lang="en-US" sz="3000">
+                <a:solidFill>
+                  <a:srgbClr val="00B050"/>
+                </a:solidFill>
+              </a:rPr>
+              <a:t>	           MindTheGap_wxbiz_game_course</a:t>
+            </a:r>
+          </a:p>
+          <a:p>
+            <a:r>
+              <a:rPr lang="en-US" sz="3200"/>
+              <a:t>I realistically won’t do this alone at my small U</a:t>
+            </a:r>
+          </a:p>
+          <a:p>
+            <a:pPr lvl="2"/>
+            <a:r>
+              <a:rPr lang="en-US" sz="2800"/>
+              <a:t>happy to brainstorm/collaborate with more energetic colleagues at bigger schools if any appear: </a:t>
+            </a:r>
+            <a:r>
+              <a:rPr lang="en-US" sz="2800">
+                <a:hlinkClick r:id="rId2"/>
+              </a:rPr>
+              <a:t>mapes@miami.edu</a:t>
+            </a:r>
+            <a:r>
+              <a:rPr lang="en-US" sz="2800"/>
+              <a:t> </a:t>
+            </a:r>
+          </a:p>
+          <a:p>
+            <a:endParaRPr lang="en-US" sz="3200"/>
+          </a:p>
+          <a:p>
+            <a:endParaRPr lang="en-US" sz="3200"/>
+          </a:p>
+        </p:txBody>
+      </p:sp>
+    </p:spTree>
+    <p:extLst>
+      <p:ext uri="{BB962C8B-B14F-4D97-AF65-F5344CB8AC3E}">
+        <p14:creationId xmlns:p14="http://schemas.microsoft.com/office/powerpoint/2010/main" val="346973187"/>
+      </p:ext>
+    </p:extLst>
+  </p:cSld>
+  <p:clrMapOvr>
+    <a:masterClrMapping/>
+  </p:clrMapOvr>
+</p:sld>
+</file>
+
+<file path=ppt/slides/slide19.xml><?xml version="1.0" encoding="utf-8"?>
 <p:sld xmlns:a="http://schemas.openxmlformats.org/drawingml/2006/main" xmlns:r="http://schemas.openxmlformats.org/officeDocument/2006/relationships" xmlns:p="http://schemas.openxmlformats.org/presentationml/2006/main">
   <p:cSld>
     <p:spTree>
@@ -13953,7 +14658,7 @@
           <a:p>
             <a:r>
               <a:rPr lang="en-US"/>
-              <a:t>My path to here </a:t>
+              <a:t>My path to this Mind The Gap session</a:t>
             </a:r>
           </a:p>
         </p:txBody>
@@ -13988,7 +14693,7 @@
           <a:p>
             <a:r>
               <a:rPr lang="en-US" sz="2400"/>
-              <a:t>Lover of data &amp; analysis, especially today’s clean free Ju-Py world  </a:t>
+              <a:t>Lover of data &amp; analysis, esp. new clean free Ju-Py world  </a:t>
             </a:r>
           </a:p>
           <a:p>
@@ -13997,7 +14702,7 @@
           <a:p>
             <a:r>
               <a:rPr lang="en-US" sz="2400"/>
-              <a:t>Had been teaching PhD/research oriented Applied Data Analysis</a:t>
+              <a:t>Formerly taught PhD/research oriented Applied Data Analysis</a:t>
             </a:r>
           </a:p>
           <a:p>
@@ -14014,21 +14719,21 @@
           <a:p>
             <a:r>
               <a:rPr lang="en-US" sz="2400"/>
-              <a:t>One-year MPS credential changes graduate course landscape </a:t>
+              <a:t>One-year MPS program changed graduate course landscape </a:t>
             </a:r>
           </a:p>
           <a:p>
             <a:pPr lvl="1"/>
             <a:r>
               <a:rPr lang="en-US" sz="2000"/>
-              <a:t>Students taking many class credit$ -- not to ponder such ‘puzzles’ !</a:t>
+              <a:t>MPS students taking many class credit$ -- and not to ponder ‘puzzles’ !</a:t>
             </a:r>
           </a:p>
           <a:p>
             <a:pPr lvl="1"/>
             <a:r>
               <a:rPr lang="en-US" sz="2000"/>
-              <a:t>But some modern data analysis training very much wanted</a:t>
+              <a:t>Some modern data analysis training very much wanted, though</a:t>
             </a:r>
           </a:p>
         </p:txBody>
@@ -14120,61 +14825,73 @@
           <a:lstStyle/>
           <a:p>
             <a:r>
+              <a:rPr lang="en-US" sz="2400"/>
+              <a:t>High-level, clean Jupyter notebooks of analysis code</a:t>
+            </a:r>
+          </a:p>
+          <a:p>
+            <a:pPr lvl="1"/>
+            <a:r>
               <a:rPr lang="en-US" sz="2000"/>
-              <a:t>Highest level, cleanest possible programming/analysis</a:t>
+              <a:t>students parse &amp; lightly edit, never start from scratch</a:t>
             </a:r>
           </a:p>
           <a:p>
             <a:pPr lvl="1"/>
             <a:r>
-              <a:rPr lang="en-US" sz="1800"/>
-              <a:t>parsing &amp; lightly editing already-working codes </a:t>
+              <a:rPr lang="en-US" sz="2000"/>
+              <a:t>blue-sky project possibilities… shading into research…</a:t>
             </a:r>
           </a:p>
           <a:p>
             <a:pPr lvl="1"/>
-            <a:r>
-              <a:rPr lang="en-US" sz="1800"/>
-              <a:t>with plenty of blue-sky project possibilities… shading into research…</a:t>
+            <a:endParaRPr lang="en-US" sz="2000"/>
+          </a:p>
+          <a:p>
+            <a:r>
+              <a:rPr lang="en-US" sz="2400"/>
+              <a:t>Motivation+evaluation are the pain of teaching: try game-play!</a:t>
             </a:r>
           </a:p>
           <a:p>
             <a:pPr lvl="1"/>
-            <a:endParaRPr lang="en-US" sz="1800"/>
-          </a:p>
-          <a:p>
+            <a:r>
+              <a:rPr lang="en-US" sz="2000" b="1"/>
+              <a:t>teams</a:t>
+            </a:r>
             <a:r>
               <a:rPr lang="en-US" sz="2000"/>
-              <a:t>Motivation+evaluation are the pain of teaching: try overt game-play!</a:t>
+              <a:t>: social fun as motivation, “</a:t>
+            </a:r>
+            <a:r>
+              <a:rPr lang="en-US" sz="2000" b="1"/>
+              <a:t>cooper-tition</a:t>
+            </a:r>
+            <a:r>
+              <a:rPr lang="en-US" sz="2000"/>
+              <a:t>” spirit to bettering </a:t>
             </a:r>
           </a:p>
           <a:p>
             <a:pPr lvl="1"/>
-            <a:r>
-              <a:rPr lang="en-US" sz="1800"/>
-              <a:t>and in teams: social fun as motivation, “cooper-tition” spirit</a:t>
-            </a:r>
-          </a:p>
-          <a:p>
-            <a:pPr lvl="1"/>
-            <a:endParaRPr lang="en-US" sz="1800"/>
-          </a:p>
-          <a:p>
-            <a:r>
-              <a:rPr lang="en-US" sz="2000"/>
-              <a:t>Social relevance: I’m not actually </a:t>
-            </a:r>
-            <a:r>
-              <a:rPr lang="en-US" sz="2000" i="1"/>
+            <a:endParaRPr lang="en-US" sz="2000"/>
+          </a:p>
+          <a:p>
+            <a:r>
+              <a:rPr lang="en-US" sz="2400"/>
+              <a:t>Social relevance/ $ : I’m not </a:t>
+            </a:r>
+            <a:r>
+              <a:rPr lang="en-US" sz="2400" i="1"/>
               <a:t>against</a:t>
             </a:r>
             <a:r>
-              <a:rPr lang="en-US" sz="2000"/>
+              <a:rPr lang="en-US" sz="2400"/>
               <a:t> it, here in my ivory tower…</a:t>
             </a:r>
           </a:p>
           <a:p>
-            <a:endParaRPr lang="en-US" sz="2000"/>
+            <a:endParaRPr lang="en-US" sz="2400"/>
           </a:p>
         </p:txBody>
       </p:sp>
@@ -14194,6 +14911,43 @@
 <file path=ppt/slides/slide4.xml><?xml version="1.0" encoding="utf-8"?>
 <p:sld xmlns:a="http://schemas.openxmlformats.org/drawingml/2006/main" xmlns:r="http://schemas.openxmlformats.org/officeDocument/2006/relationships" xmlns:p="http://schemas.openxmlformats.org/presentationml/2006/main">
   <p:cSld>
+    <p:bg>
+      <p:bgPr>
+        <a:gradFill>
+          <a:gsLst>
+            <a:gs pos="52022">
+              <a:srgbClr val="F6A0CD"/>
+            </a:gs>
+            <a:gs pos="0">
+              <a:schemeClr val="accent1">
+                <a:lumMod val="5000"/>
+                <a:lumOff val="95000"/>
+              </a:schemeClr>
+            </a:gs>
+            <a:gs pos="74000">
+              <a:schemeClr val="accent1">
+                <a:lumMod val="45000"/>
+                <a:lumOff val="55000"/>
+              </a:schemeClr>
+            </a:gs>
+            <a:gs pos="83000">
+              <a:schemeClr val="accent1">
+                <a:lumMod val="45000"/>
+                <a:lumOff val="55000"/>
+              </a:schemeClr>
+            </a:gs>
+            <a:gs pos="100000">
+              <a:schemeClr val="accent1">
+                <a:lumMod val="30000"/>
+                <a:lumOff val="70000"/>
+              </a:schemeClr>
+            </a:gs>
+          </a:gsLst>
+          <a:lin ang="5400000" scaled="1"/>
+        </a:gradFill>
+        <a:effectLst/>
+      </p:bgPr>
+    </p:bg>
     <p:spTree>
       <p:nvGrpSpPr>
         <p:cNvPr id="1" name=""/>
@@ -14231,7 +14985,7 @@
           <a:p>
             <a:r>
               <a:rPr lang="en-US"/>
-              <a:t>Course-level structure</a:t>
+              <a:t>Course-level structure notions</a:t>
             </a:r>
           </a:p>
         </p:txBody>
@@ -14254,97 +15008,93 @@
         </p:nvSpPr>
         <p:spPr>
           <a:xfrm>
-            <a:off x="1154954" y="2603500"/>
-            <a:ext cx="10084064" cy="3416300"/>
+            <a:off x="750627" y="2238233"/>
+            <a:ext cx="11054686" cy="4490113"/>
           </a:xfrm>
         </p:spPr>
         <p:txBody>
           <a:bodyPr>
-            <a:normAutofit fontScale="92500" lnSpcReduction="10000"/>
+            <a:normAutofit fontScale="92500"/>
           </a:bodyPr>
           <a:lstStyle/>
           <a:p>
             <a:r>
+              <a:rPr lang="en-US" sz="2800"/>
+              <a:t>3-4 “modules” of 3-4 weeks, different business sectors + seasons</a:t>
+            </a:r>
+          </a:p>
+          <a:p>
+            <a:pPr lvl="1"/>
+            <a:r>
+              <a:rPr lang="en-US" sz="2400"/>
+              <a:t>agriculture, transport/logistics, energy, etc.</a:t>
+            </a:r>
+          </a:p>
+          <a:p>
+            <a:endParaRPr lang="en-US" sz="2800"/>
+          </a:p>
+          <a:p>
+            <a:r>
+              <a:rPr lang="en-US" sz="2800"/>
+              <a:t>Realistic weather data, unspooled by instructor </a:t>
+            </a:r>
+          </a:p>
+          <a:p>
+            <a:pPr lvl="1"/>
+            <a:r>
+              <a:rPr lang="en-US" sz="2400"/>
+              <a:t>at real or slightly accelerated rate: </a:t>
+            </a:r>
+            <a:r>
+              <a:rPr lang="en-US" sz="2400" i="1"/>
+              <a:t>synoptic timescale fits decisions</a:t>
+            </a:r>
+          </a:p>
+          <a:p>
+            <a:pPr lvl="1"/>
+            <a:r>
+              <a:rPr lang="en-US" sz="2400"/>
+              <a:t>fake details: forecast archive sets with spoofed yyyy metadata </a:t>
+            </a:r>
+          </a:p>
+          <a:p>
+            <a:pPr lvl="2"/>
+            <a:r>
               <a:rPr lang="en-US" sz="2000"/>
-              <a:t>3-4 “modules” of 3-4 weeks, different business sector + season details</a:t>
-            </a:r>
-          </a:p>
-          <a:p>
-            <a:pPr lvl="1"/>
-            <a:r>
-              <a:rPr lang="en-US" sz="1800"/>
-              <a:t>for generality; &amp; can course-correct/redesign if 1</a:t>
-            </a:r>
-            <a:r>
-              <a:rPr lang="en-US" sz="1800" baseline="30000"/>
-              <a:t>st</a:t>
-            </a:r>
-            <a:r>
-              <a:rPr lang="en-US" sz="1800"/>
-              <a:t> module is lame </a:t>
-            </a:r>
-          </a:p>
-          <a:p>
-            <a:endParaRPr lang="en-US" sz="2000"/>
-          </a:p>
-          <a:p>
-            <a:r>
-              <a:rPr lang="en-US" sz="2000"/>
-              <a:t>Realistic weather unspooled by instructor </a:t>
-            </a:r>
-          </a:p>
-          <a:p>
-            <a:pPr lvl="1"/>
-            <a:r>
-              <a:rPr lang="en-US" sz="1800"/>
-              <a:t>real or slightly accelerated rate (days, weeks)?</a:t>
-            </a:r>
-          </a:p>
-          <a:p>
-            <a:pPr lvl="1"/>
-            <a:r>
-              <a:rPr lang="en-US" sz="1800"/>
-              <a:t>fake details: forecast archive sets with spoofed yyyy metadata </a:t>
-            </a:r>
-          </a:p>
-          <a:p>
-            <a:pPr lvl="2"/>
-            <a:r>
-              <a:rPr lang="en-US" sz="1600"/>
               <a:t>students must learn to analyze &amp; forecast from the data, not websites</a:t>
             </a:r>
-            <a:endParaRPr lang="en-US" sz="1800"/>
-          </a:p>
-          <a:p>
-            <a:endParaRPr lang="en-US" sz="2000"/>
-          </a:p>
-          <a:p>
-            <a:r>
-              <a:rPr lang="en-US" sz="2000"/>
+            <a:endParaRPr lang="en-US" sz="2400"/>
+          </a:p>
+          <a:p>
+            <a:endParaRPr lang="en-US" sz="2800"/>
+          </a:p>
+          <a:p>
+            <a:r>
+              <a:rPr lang="en-US" sz="2800"/>
               <a:t>Classroom meetings, say 3 days a week for an hour </a:t>
             </a:r>
-            <a:endParaRPr lang="en-US" sz="1800"/>
-          </a:p>
-          <a:p>
-            <a:endParaRPr lang="en-US" sz="2000"/>
-          </a:p>
-          <a:p>
-            <a:endParaRPr lang="en-US" sz="2000"/>
-          </a:p>
-          <a:p>
-            <a:endParaRPr lang="en-US" sz="2000"/>
-          </a:p>
-          <a:p>
-            <a:endParaRPr lang="en-US" sz="2000"/>
-          </a:p>
-          <a:p>
-            <a:endParaRPr lang="en-US" sz="2000"/>
-          </a:p>
-          <a:p>
-            <a:endParaRPr lang="en-US" sz="2000"/>
-          </a:p>
-          <a:p>
-            <a:endParaRPr lang="en-US" sz="2000"/>
+            <a:endParaRPr lang="en-US" sz="2400"/>
+          </a:p>
+          <a:p>
+            <a:endParaRPr lang="en-US" sz="2800"/>
+          </a:p>
+          <a:p>
+            <a:endParaRPr lang="en-US" sz="2800"/>
+          </a:p>
+          <a:p>
+            <a:endParaRPr lang="en-US" sz="2800"/>
+          </a:p>
+          <a:p>
+            <a:endParaRPr lang="en-US" sz="2800"/>
+          </a:p>
+          <a:p>
+            <a:endParaRPr lang="en-US" sz="2800"/>
+          </a:p>
+          <a:p>
+            <a:endParaRPr lang="en-US" sz="2800"/>
+          </a:p>
+          <a:p>
+            <a:endParaRPr lang="en-US" sz="2800"/>
           </a:p>
         </p:txBody>
       </p:sp>
@@ -14401,7 +15151,7 @@
           <a:p>
             <a:r>
               <a:rPr lang="en-US"/>
-              <a:t>Course-level structure</a:t>
+              <a:t>Course-level structure notions</a:t>
             </a:r>
           </a:p>
         </p:txBody>
@@ -14434,10 +15184,16 @@
           </a:bodyPr>
           <a:lstStyle/>
           <a:p>
-            <a:r>
-              <a:rPr lang="en-US" sz="2000"/>
-              <a:t>Classroom meetings, say 3 days a week for an hour </a:t>
-            </a:r>
+            <a:endParaRPr lang="en-US" sz="3200"/>
+          </a:p>
+          <a:p>
+            <a:r>
+              <a:rPr lang="en-US" sz="3200"/>
+              <a:t>say, 3 days a week for an hour </a:t>
+            </a:r>
+          </a:p>
+          <a:p>
+            <a:endParaRPr lang="en-US" sz="3200"/>
           </a:p>
           <a:p>
             <a:pPr marL="800100" lvl="1" indent="-342900">
@@ -14445,20 +15201,36 @@
               <a:buAutoNum type="arabicPeriod"/>
             </a:pPr>
             <a:r>
-              <a:rPr lang="en-US" sz="1800"/>
-              <a:t>teams tally their </a:t>
-            </a:r>
-            <a:r>
-              <a:rPr lang="en-US" sz="1800">
+              <a:rPr lang="en-US" sz="2400" b="1"/>
+              <a:t>teams</a:t>
+            </a:r>
+            <a:r>
+              <a:rPr lang="en-US" sz="2400"/>
+              <a:t> </a:t>
+            </a:r>
+            <a:r>
+              <a:rPr lang="en-US" sz="2400" b="1">
                 <a:solidFill>
                   <a:srgbClr val="00B050"/>
                 </a:solidFill>
               </a:rPr>
-              <a:t>$core$</a:t>
-            </a:r>
-            <a:r>
-              <a:rPr lang="en-US" sz="1800"/>
-              <a:t> from weather verification data (Jupyter notebook) </a:t>
+              <a:t>tally</a:t>
+            </a:r>
+            <a:r>
+              <a:rPr lang="en-US" sz="2400" b="1"/>
+              <a:t> </a:t>
+            </a:r>
+            <a:r>
+              <a:rPr lang="en-US" sz="2400" b="1">
+                <a:solidFill>
+                  <a:srgbClr val="00B050"/>
+                </a:solidFill>
+              </a:rPr>
+              <a:t>profit/loss</a:t>
+            </a:r>
+            <a:r>
+              <a:rPr lang="en-US" sz="2400"/>
+              <a:t> from wx verification data</a:t>
             </a:r>
           </a:p>
           <a:p>
@@ -14467,9 +15239,22 @@
               <a:buAutoNum type="arabicPeriod"/>
             </a:pPr>
             <a:r>
-              <a:rPr lang="en-US" sz="1800"/>
-              <a:t>view forecasts for next meeting, adjust preparations (which feed into 1.) </a:t>
-            </a:r>
+              <a:rPr lang="en-US" sz="2400" b="1">
+                <a:solidFill>
+                  <a:srgbClr val="7030A0"/>
+                </a:solidFill>
+              </a:rPr>
+              <a:t>adjust preparations/portfolio</a:t>
+            </a:r>
+            <a:r>
+              <a:rPr lang="en-US" sz="2400">
+                <a:solidFill>
+                  <a:srgbClr val="7030A0"/>
+                </a:solidFill>
+              </a:rPr>
+              <a:t> based on forecasts &amp; research</a:t>
+            </a:r>
+            <a:endParaRPr lang="en-US" sz="2400"/>
           </a:p>
           <a:p>
             <a:pPr marL="800100" lvl="1" indent="-342900">
@@ -14477,74 +15262,28 @@
               <a:buAutoNum type="arabicPeriod"/>
             </a:pPr>
             <a:r>
-              <a:rPr lang="en-US" sz="1800"/>
-              <a:t>some class time left for explanations, presentations, discussions, debriefs…</a:t>
+              <a:rPr lang="en-US" sz="2400"/>
+              <a:t>(explanations, discussions, debriefs, guest lectures…)</a:t>
             </a:r>
             <a:endParaRPr lang="en-US" sz="2000"/>
           </a:p>
           <a:p>
-            <a:r>
-              <a:rPr lang="en-US" sz="2000"/>
-              <a:t>Evaluations: </a:t>
-            </a:r>
-          </a:p>
-          <a:p>
-            <a:pPr lvl="1"/>
-            <a:r>
-              <a:rPr lang="en-US" sz="1800"/>
-              <a:t>yes, team’s business $score (taste of competition, teamwork/shared outcomes)</a:t>
-            </a:r>
-          </a:p>
-          <a:p>
-            <a:pPr lvl="1"/>
-            <a:r>
-              <a:rPr lang="en-US" sz="1800"/>
-              <a:t>anonymized team evaluations of its members (soft skills, participation) </a:t>
-            </a:r>
-          </a:p>
-          <a:p>
-            <a:pPr lvl="1"/>
-            <a:r>
-              <a:rPr lang="en-US" sz="1800"/>
-              <a:t>R&amp;D projects: explore strategies with archival data and same </a:t>
-            </a:r>
-            <a:r>
-              <a:rPr lang="en-US" sz="1800">
-                <a:solidFill>
-                  <a:srgbClr val="00B050"/>
-                </a:solidFill>
-              </a:rPr>
-              <a:t>scoring</a:t>
-            </a:r>
-            <a:r>
-              <a:rPr lang="en-US" sz="1800"/>
-              <a:t> code</a:t>
-            </a:r>
-          </a:p>
-          <a:p>
-            <a:pPr lvl="2"/>
-            <a:r>
-              <a:rPr lang="en-US" sz="1600"/>
-              <a:t>geographic portfolio hedging, add climate offsets, toggle insurance (to estimate its correct price), compare climatology/persistence to forecasts, downscaling, etc. etc. </a:t>
-            </a:r>
-          </a:p>
-          <a:p>
-            <a:endParaRPr lang="en-US" sz="2000"/>
-          </a:p>
-          <a:p>
-            <a:endParaRPr lang="en-US" sz="2000"/>
-          </a:p>
-          <a:p>
-            <a:endParaRPr lang="en-US" sz="2000"/>
-          </a:p>
-          <a:p>
-            <a:endParaRPr lang="en-US" sz="2000"/>
-          </a:p>
-          <a:p>
-            <a:endParaRPr lang="en-US" sz="2000"/>
-          </a:p>
-          <a:p>
-            <a:endParaRPr lang="en-US" sz="2000"/>
+            <a:endParaRPr lang="en-US" sz="2800"/>
+          </a:p>
+          <a:p>
+            <a:endParaRPr lang="en-US" sz="2800"/>
+          </a:p>
+          <a:p>
+            <a:endParaRPr lang="en-US" sz="2800"/>
+          </a:p>
+          <a:p>
+            <a:endParaRPr lang="en-US" sz="2800"/>
+          </a:p>
+          <a:p>
+            <a:endParaRPr lang="en-US" sz="2800"/>
+          </a:p>
+          <a:p>
+            <a:endParaRPr lang="en-US" sz="2800"/>
           </a:p>
         </p:txBody>
       </p:sp>
@@ -14583,7 +15322,7 @@
           <p:cNvPr id="2" name="Title 1">
             <a:extLst>
               <a:ext uri="{FF2B5EF4-FFF2-40B4-BE49-F238E27FC236}">
-                <a16:creationId xmlns:a16="http://schemas.microsoft.com/office/drawing/2014/main" id="{C9B04E49-3125-4E7A-FF32-AE8E75CC1F29}"/>
+                <a16:creationId xmlns:a16="http://schemas.microsoft.com/office/drawing/2014/main" id="{C9667BD1-06D1-654D-6DAD-1C42C668CBD3}"/>
               </a:ext>
             </a:extLst>
           </p:cNvPr>
@@ -14601,47 +15340,173 @@
           <a:p>
             <a:r>
               <a:rPr lang="en-US"/>
-              <a:t>Details: it’s all about the code base…</a:t>
+              <a:t>Course-level structure notions</a:t>
             </a:r>
           </a:p>
         </p:txBody>
       </p:sp>
-      <p:pic>
-        <p:nvPicPr>
-          <p:cNvPr id="5" name="Content Placeholder 4">
+      <p:sp>
+        <p:nvSpPr>
+          <p:cNvPr id="3" name="Content Placeholder 2">
             <a:extLst>
               <a:ext uri="{FF2B5EF4-FFF2-40B4-BE49-F238E27FC236}">
-                <a16:creationId xmlns:a16="http://schemas.microsoft.com/office/drawing/2014/main" id="{1DC9E430-F18C-55B3-5642-3F9C766E2BE3}"/>
+                <a16:creationId xmlns:a16="http://schemas.microsoft.com/office/drawing/2014/main" id="{4B4F361A-9E13-6C2F-1555-34B075494341}"/>
               </a:ext>
             </a:extLst>
           </p:cNvPr>
-          <p:cNvPicPr>
-            <a:picLocks noGrp="1" noChangeAspect="1"/>
-          </p:cNvPicPr>
+          <p:cNvSpPr>
+            <a:spLocks noGrp="1"/>
+          </p:cNvSpPr>
           <p:nvPr>
             <p:ph idx="1"/>
           </p:nvPr>
-        </p:nvPicPr>
-        <p:blipFill>
-          <a:blip r:embed="rId2"/>
-          <a:stretch>
-            <a:fillRect/>
-          </a:stretch>
-        </p:blipFill>
+        </p:nvSpPr>
         <p:spPr>
           <a:xfrm>
-            <a:off x="1790261" y="1974850"/>
-            <a:ext cx="8416215" cy="4554538"/>
+            <a:off x="1154954" y="2384385"/>
+            <a:ext cx="10084064" cy="4027989"/>
           </a:xfrm>
-          <a:prstGeom prst="rect">
-            <a:avLst/>
-          </a:prstGeom>
         </p:spPr>
-      </p:pic>
+        <p:txBody>
+          <a:bodyPr>
+            <a:normAutofit lnSpcReduction="10000"/>
+          </a:bodyPr>
+          <a:lstStyle/>
+          <a:p>
+            <a:r>
+              <a:rPr lang="en-US" sz="2800"/>
+              <a:t>Student performance evaluation: </a:t>
+            </a:r>
+          </a:p>
+          <a:p>
+            <a:pPr lvl="1"/>
+            <a:r>
+              <a:rPr lang="en-US" sz="2400"/>
+              <a:t>(shuffled) teams’ </a:t>
+            </a:r>
+            <a:r>
+              <a:rPr lang="en-US" sz="2400">
+                <a:solidFill>
+                  <a:srgbClr val="00B050"/>
+                </a:solidFill>
+              </a:rPr>
+              <a:t>profit-</a:t>
+            </a:r>
+            <a:r>
+              <a:rPr lang="en-US" sz="2400">
+                <a:solidFill>
+                  <a:srgbClr val="FF0000"/>
+                </a:solidFill>
+              </a:rPr>
+              <a:t>loss</a:t>
+            </a:r>
+            <a:r>
+              <a:rPr lang="en-US" sz="2400"/>
+              <a:t> (taste of competition, teamwork)</a:t>
+            </a:r>
+          </a:p>
+          <a:p>
+            <a:pPr lvl="1"/>
+            <a:r>
+              <a:rPr lang="en-US" sz="2400"/>
+              <a:t>anonymized, mediated team </a:t>
+            </a:r>
+            <a:r>
+              <a:rPr lang="en-US" sz="2400">
+                <a:solidFill>
+                  <a:srgbClr val="0070C0"/>
+                </a:solidFill>
+              </a:rPr>
+              <a:t>evals of members</a:t>
+            </a:r>
+            <a:r>
+              <a:rPr lang="en-US" sz="2400"/>
+              <a:t> (‘soft skills’…) </a:t>
+            </a:r>
+          </a:p>
+          <a:p>
+            <a:pPr lvl="1"/>
+            <a:r>
+              <a:rPr lang="en-US" sz="2400">
+                <a:solidFill>
+                  <a:srgbClr val="FF0000"/>
+                </a:solidFill>
+              </a:rPr>
+              <a:t>R&amp;D</a:t>
+            </a:r>
+            <a:r>
+              <a:rPr lang="en-US" sz="2400"/>
+              <a:t>: explore strategies w/ archival data &amp; </a:t>
+            </a:r>
+            <a:r>
+              <a:rPr lang="en-US" sz="2400">
+                <a:solidFill>
+                  <a:srgbClr val="00B050"/>
+                </a:solidFill>
+              </a:rPr>
+              <a:t>profilt model</a:t>
+            </a:r>
+            <a:endParaRPr lang="en-US" sz="2400"/>
+          </a:p>
+          <a:p>
+            <a:pPr lvl="2"/>
+            <a:r>
+              <a:rPr lang="en-US" sz="2000"/>
+              <a:t>adjust geographic portfolio of sites: optimizing, hedging</a:t>
+            </a:r>
+          </a:p>
+          <a:p>
+            <a:pPr lvl="2"/>
+            <a:r>
+              <a:rPr lang="en-US" sz="2000"/>
+              <a:t>add climate-scenario offsets, how will it change outcomes?</a:t>
+            </a:r>
+          </a:p>
+          <a:p>
+            <a:pPr lvl="2"/>
+            <a:r>
+              <a:rPr lang="en-US" sz="2000"/>
+              <a:t>price modeling for insurance </a:t>
+            </a:r>
+          </a:p>
+          <a:p>
+            <a:pPr lvl="2"/>
+            <a:r>
+              <a:rPr lang="en-US" sz="2000"/>
+              <a:t>value of forecast data-fussing vs. simple climatology/persistence</a:t>
+            </a:r>
+          </a:p>
+          <a:p>
+            <a:pPr lvl="2"/>
+            <a:r>
+              <a:rPr lang="en-US" sz="2000"/>
+              <a:t>downscaling impacts research, … etc. etc. </a:t>
+            </a:r>
+          </a:p>
+          <a:p>
+            <a:endParaRPr lang="en-US" sz="2800"/>
+          </a:p>
+          <a:p>
+            <a:endParaRPr lang="en-US" sz="2800"/>
+          </a:p>
+          <a:p>
+            <a:endParaRPr lang="en-US" sz="2800"/>
+          </a:p>
+          <a:p>
+            <a:endParaRPr lang="en-US" sz="2800"/>
+          </a:p>
+          <a:p>
+            <a:endParaRPr lang="en-US" sz="2800"/>
+          </a:p>
+          <a:p>
+            <a:endParaRPr lang="en-US" sz="2800"/>
+          </a:p>
+        </p:txBody>
+      </p:sp>
     </p:spTree>
     <p:extLst>
       <p:ext uri="{BB962C8B-B14F-4D97-AF65-F5344CB8AC3E}">
-        <p14:creationId xmlns:p14="http://schemas.microsoft.com/office/powerpoint/2010/main" val="1463883909"/>
+        <p14:creationId xmlns:p14="http://schemas.microsoft.com/office/powerpoint/2010/main" val="71597550"/>
       </p:ext>
     </p:extLst>
   </p:cSld>
@@ -14698,30 +15563,27 @@
       </p:sp>
       <p:pic>
         <p:nvPicPr>
-          <p:cNvPr id="4" name="Content Placeholder 3">
+          <p:cNvPr id="6" name="Picture 5">
             <a:extLst>
               <a:ext uri="{FF2B5EF4-FFF2-40B4-BE49-F238E27FC236}">
-                <a16:creationId xmlns:a16="http://schemas.microsoft.com/office/drawing/2014/main" id="{49F3DD43-AB1A-5A4C-75E1-C7E406F823FB}"/>
+                <a16:creationId xmlns:a16="http://schemas.microsoft.com/office/drawing/2014/main" id="{E2492602-F401-9DA4-D45C-E53BC1F1BEA0}"/>
               </a:ext>
             </a:extLst>
           </p:cNvPr>
           <p:cNvPicPr>
-            <a:picLocks noGrp="1" noChangeAspect="1"/>
+            <a:picLocks noChangeAspect="1"/>
           </p:cNvPicPr>
-          <p:nvPr>
-            <p:ph idx="1"/>
-          </p:nvPr>
+          <p:nvPr/>
         </p:nvPicPr>
-        <p:blipFill>
+        <p:blipFill rotWithShape="1">
           <a:blip r:embed="rId2"/>
-          <a:stretch>
-            <a:fillRect/>
-          </a:stretch>
+          <a:srcRect t="12679"/>
+          <a:stretch/>
         </p:blipFill>
         <p:spPr>
           <a:xfrm>
-            <a:off x="1654969" y="2055019"/>
-            <a:ext cx="8686800" cy="4394200"/>
+            <a:off x="1864360" y="2333766"/>
+            <a:ext cx="7772400" cy="4497913"/>
           </a:xfrm>
           <a:prstGeom prst="rect">
             <a:avLst/>
@@ -14731,7 +15593,7 @@
     </p:spTree>
     <p:extLst>
       <p:ext uri="{BB962C8B-B14F-4D97-AF65-F5344CB8AC3E}">
-        <p14:creationId xmlns:p14="http://schemas.microsoft.com/office/powerpoint/2010/main" val="1772554910"/>
+        <p14:creationId xmlns:p14="http://schemas.microsoft.com/office/powerpoint/2010/main" val="1463883909"/>
       </p:ext>
     </p:extLst>
   </p:cSld>
@@ -14786,21 +15648,44 @@
           </a:p>
         </p:txBody>
       </p:sp>
-      <p:pic>
-        <p:nvPicPr>
+      <p:sp>
+        <p:nvSpPr>
           <p:cNvPr id="4" name="Content Placeholder 3">
             <a:extLst>
               <a:ext uri="{FF2B5EF4-FFF2-40B4-BE49-F238E27FC236}">
-                <a16:creationId xmlns:a16="http://schemas.microsoft.com/office/drawing/2014/main" id="{EEE1450B-2B79-6BD1-6EC1-557FC8BDCF27}"/>
+                <a16:creationId xmlns:a16="http://schemas.microsoft.com/office/drawing/2014/main" id="{16C8ED23-43D6-8EBB-7CA4-98384927DEF7}"/>
+              </a:ext>
+            </a:extLst>
+          </p:cNvPr>
+          <p:cNvSpPr>
+            <a:spLocks noGrp="1"/>
+          </p:cNvSpPr>
+          <p:nvPr>
+            <p:ph idx="1"/>
+          </p:nvPr>
+        </p:nvSpPr>
+        <p:spPr/>
+        <p:txBody>
+          <a:bodyPr/>
+          <a:lstStyle/>
+          <a:p>
+            <a:endParaRPr lang="en-US"/>
+          </a:p>
+        </p:txBody>
+      </p:sp>
+      <p:pic>
+        <p:nvPicPr>
+          <p:cNvPr id="6" name="Picture 5">
+            <a:extLst>
+              <a:ext uri="{FF2B5EF4-FFF2-40B4-BE49-F238E27FC236}">
+                <a16:creationId xmlns:a16="http://schemas.microsoft.com/office/drawing/2014/main" id="{C77945C7-06B2-4B64-553C-1AE47EBBCCEB}"/>
               </a:ext>
             </a:extLst>
           </p:cNvPr>
           <p:cNvPicPr>
-            <a:picLocks noGrp="1" noChangeAspect="1"/>
+            <a:picLocks noChangeAspect="1"/>
           </p:cNvPicPr>
-          <p:nvPr>
-            <p:ph idx="1"/>
-          </p:nvPr>
+          <p:nvPr/>
         </p:nvPicPr>
         <p:blipFill>
           <a:blip r:embed="rId2"/>
@@ -14810,8 +15695,8 @@
         </p:blipFill>
         <p:spPr>
           <a:xfrm>
-            <a:off x="2213677" y="1974850"/>
-            <a:ext cx="7569384" cy="4554538"/>
+            <a:off x="601448" y="1132764"/>
+            <a:ext cx="10978981" cy="5725235"/>
           </a:xfrm>
           <a:prstGeom prst="rect">
             <a:avLst/>
@@ -14821,7 +15706,7 @@
     </p:spTree>
     <p:extLst>
       <p:ext uri="{BB962C8B-B14F-4D97-AF65-F5344CB8AC3E}">
-        <p14:creationId xmlns:p14="http://schemas.microsoft.com/office/powerpoint/2010/main" val="416037045"/>
+        <p14:creationId xmlns:p14="http://schemas.microsoft.com/office/powerpoint/2010/main" val="3599395100"/>
       </p:ext>
     </p:extLst>
   </p:cSld>
@@ -14881,7 +15766,7 @@
           <p:cNvPr id="4" name="Content Placeholder 3">
             <a:extLst>
               <a:ext uri="{FF2B5EF4-FFF2-40B4-BE49-F238E27FC236}">
-                <a16:creationId xmlns:a16="http://schemas.microsoft.com/office/drawing/2014/main" id="{62E9E62D-2D03-623F-C1CD-853B4364F576}"/>
+                <a16:creationId xmlns:a16="http://schemas.microsoft.com/office/drawing/2014/main" id="{49F3DD43-AB1A-5A4C-75E1-C7E406F823FB}"/>
               </a:ext>
             </a:extLst>
           </p:cNvPr>
@@ -14900,8 +15785,8 @@
         </p:blipFill>
         <p:spPr>
           <a:xfrm>
-            <a:off x="1964489" y="1974850"/>
-            <a:ext cx="8067760" cy="4554538"/>
+            <a:off x="279695" y="973668"/>
+            <a:ext cx="11632609" cy="5884332"/>
           </a:xfrm>
           <a:prstGeom prst="rect">
             <a:avLst/>
@@ -14911,7 +15796,7 @@
     </p:spTree>
     <p:extLst>
       <p:ext uri="{BB962C8B-B14F-4D97-AF65-F5344CB8AC3E}">
-        <p14:creationId xmlns:p14="http://schemas.microsoft.com/office/powerpoint/2010/main" val="3981306827"/>
+        <p14:creationId xmlns:p14="http://schemas.microsoft.com/office/powerpoint/2010/main" val="1772554910"/>
       </p:ext>
     </p:extLst>
   </p:cSld>

--- a/Mapes_MindTheGap_AMS2024.pptx
+++ b/Mapes_MindTheGap_AMS2024.pptx
@@ -14035,7 +14035,7 @@
           <a:p>
             <a:r>
               <a:rPr lang="en-US"/>
-              <a:t>Fun with shuffled teams… takes a big class… hey, why not interschool rivalries</a:t>
+              <a:t>Fun with shuffled teams… needs big class… hey, why not franchise, interschool?</a:t>
             </a:r>
           </a:p>
         </p:txBody>
@@ -14070,7 +14070,14 @@
           <a:p>
             <a:r>
               <a:rPr lang="en-US" sz="2800"/>
-              <a:t>Like a forecast contest but with a payoff/score in $, based on an application, other than disasters</a:t>
+              <a:t>Basically another forecast contest </a:t>
+            </a:r>
+          </a:p>
+          <a:p>
+            <a:pPr lvl="1"/>
+            <a:r>
+              <a:rPr lang="en-US" sz="2600"/>
+              <a:t>but with a score in $, based on an application</a:t>
             </a:r>
           </a:p>
           <a:p>
@@ -14079,7 +14086,7 @@
           <a:p>
             <a:r>
               <a:rPr lang="en-US" sz="2800"/>
-              <a:t>A plug-and-play ‘franchise’ course for busy faculty, with automated/standardized evals</a:t>
+              <a:t>A plug-and-play ‘franchise’ course for busy faculty, with automated/standardized evals?</a:t>
             </a:r>
           </a:p>
           <a:p>
@@ -14090,10 +14097,10 @@
             </a:r>
           </a:p>
           <a:p>
-            <a:pPr lvl="2"/>
-            <a:r>
-              <a:rPr lang="en-US" sz="2400"/>
-              <a:t>curriculum gatekeepers love that…</a:t>
+            <a:pPr lvl="3"/>
+            <a:r>
+              <a:rPr lang="en-US" sz="2200"/>
+              <a:t>curriculum gatekeepers love that sort of thing…</a:t>
             </a:r>
           </a:p>
         </p:txBody>
